--- a/lecture/lecture.pptx
+++ b/lecture/lecture.pptx
@@ -324,7 +324,7 @@
           <a:p>
             <a:fld id="{F8928B30-C277-455D-8094-5269B4E17FB0}" type="datetimeFigureOut">
               <a:rPr lang="ru-RU" smtClean="0"/>
-              <a:t>28.11.2016</a:t>
+              <a:t>30.11.2016</a:t>
             </a:fld>
             <a:endParaRPr lang="ru-RU"/>
           </a:p>
@@ -529,7 +529,7 @@
           <a:p>
             <a:fld id="{F8928B30-C277-455D-8094-5269B4E17FB0}" type="datetimeFigureOut">
               <a:rPr lang="ru-RU" smtClean="0"/>
-              <a:t>28.11.2016</a:t>
+              <a:t>30.11.2016</a:t>
             </a:fld>
             <a:endParaRPr lang="ru-RU"/>
           </a:p>
@@ -709,7 +709,7 @@
           <a:p>
             <a:fld id="{F8928B30-C277-455D-8094-5269B4E17FB0}" type="datetimeFigureOut">
               <a:rPr lang="ru-RU" smtClean="0"/>
-              <a:t>28.11.2016</a:t>
+              <a:t>30.11.2016</a:t>
             </a:fld>
             <a:endParaRPr lang="ru-RU"/>
           </a:p>
@@ -914,7 +914,7 @@
           <a:p>
             <a:fld id="{F8928B30-C277-455D-8094-5269B4E17FB0}" type="datetimeFigureOut">
               <a:rPr lang="ru-RU" smtClean="0"/>
-              <a:t>28.11.2016</a:t>
+              <a:t>30.11.2016</a:t>
             </a:fld>
             <a:endParaRPr lang="ru-RU"/>
           </a:p>
@@ -1209,7 +1209,7 @@
           <a:p>
             <a:fld id="{F8928B30-C277-455D-8094-5269B4E17FB0}" type="datetimeFigureOut">
               <a:rPr lang="ru-RU" smtClean="0"/>
-              <a:t>28.11.2016</a:t>
+              <a:t>30.11.2016</a:t>
             </a:fld>
             <a:endParaRPr lang="ru-RU"/>
           </a:p>
@@ -1481,7 +1481,7 @@
           <a:p>
             <a:fld id="{F8928B30-C277-455D-8094-5269B4E17FB0}" type="datetimeFigureOut">
               <a:rPr lang="ru-RU" smtClean="0"/>
-              <a:t>28.11.2016</a:t>
+              <a:t>30.11.2016</a:t>
             </a:fld>
             <a:endParaRPr lang="ru-RU"/>
           </a:p>
@@ -1888,7 +1888,7 @@
           <a:p>
             <a:fld id="{F8928B30-C277-455D-8094-5269B4E17FB0}" type="datetimeFigureOut">
               <a:rPr lang="ru-RU" smtClean="0"/>
-              <a:t>28.11.2016</a:t>
+              <a:t>30.11.2016</a:t>
             </a:fld>
             <a:endParaRPr lang="ru-RU"/>
           </a:p>
@@ -2006,7 +2006,7 @@
           <a:p>
             <a:fld id="{F8928B30-C277-455D-8094-5269B4E17FB0}" type="datetimeFigureOut">
               <a:rPr lang="ru-RU" smtClean="0"/>
-              <a:t>28.11.2016</a:t>
+              <a:t>30.11.2016</a:t>
             </a:fld>
             <a:endParaRPr lang="ru-RU"/>
           </a:p>
@@ -2101,7 +2101,7 @@
           <a:p>
             <a:fld id="{F8928B30-C277-455D-8094-5269B4E17FB0}" type="datetimeFigureOut">
               <a:rPr lang="ru-RU" smtClean="0"/>
-              <a:t>28.11.2016</a:t>
+              <a:t>30.11.2016</a:t>
             </a:fld>
             <a:endParaRPr lang="ru-RU"/>
           </a:p>
@@ -2391,7 +2391,7 @@
           <a:p>
             <a:fld id="{F8928B30-C277-455D-8094-5269B4E17FB0}" type="datetimeFigureOut">
               <a:rPr lang="ru-RU" smtClean="0"/>
-              <a:t>28.11.2016</a:t>
+              <a:t>30.11.2016</a:t>
             </a:fld>
             <a:endParaRPr lang="ru-RU"/>
           </a:p>
@@ -2671,7 +2671,7 @@
           <a:p>
             <a:fld id="{F8928B30-C277-455D-8094-5269B4E17FB0}" type="datetimeFigureOut">
               <a:rPr lang="ru-RU" smtClean="0"/>
-              <a:t>28.11.2016</a:t>
+              <a:t>30.11.2016</a:t>
             </a:fld>
             <a:endParaRPr lang="ru-RU"/>
           </a:p>
@@ -2921,7 +2921,7 @@
           <a:p>
             <a:fld id="{F8928B30-C277-455D-8094-5269B4E17FB0}" type="datetimeFigureOut">
               <a:rPr lang="ru-RU" smtClean="0"/>
-              <a:t>28.11.2016</a:t>
+              <a:t>30.11.2016</a:t>
             </a:fld>
             <a:endParaRPr lang="ru-RU"/>
           </a:p>
@@ -3628,7 +3628,7 @@
             </a:pPr>
             <a:r>
               <a:rPr lang="uk-UA" dirty="0" smtClean="0"/>
-              <a:t>Вхід в систему</a:t>
+              <a:t>Вхід у систему</a:t>
             </a:r>
           </a:p>
           <a:p>
@@ -4165,6 +4165,13 @@
   <p:clrMapOvr>
     <a:masterClrMapping/>
   </p:clrMapOvr>
+  <p:timing>
+    <p:tnLst>
+      <p:par>
+        <p:cTn id="1" dur="indefinite" restart="never" nodeType="tmRoot"/>
+      </p:par>
+    </p:tnLst>
+  </p:timing>
 </p:sld>
 </file>
 
@@ -4249,6 +4256,13 @@
   <p:clrMapOvr>
     <a:masterClrMapping/>
   </p:clrMapOvr>
+  <p:timing>
+    <p:tnLst>
+      <p:par>
+        <p:cTn id="1" dur="indefinite" restart="never" nodeType="tmRoot"/>
+      </p:par>
+    </p:tnLst>
+  </p:timing>
 </p:sld>
 </file>
 
@@ -4790,6 +4804,13 @@
   <p:clrMapOvr>
     <a:masterClrMapping/>
   </p:clrMapOvr>
+  <p:timing>
+    <p:tnLst>
+      <p:par>
+        <p:cTn id="1" dur="indefinite" restart="never" nodeType="tmRoot"/>
+      </p:par>
+    </p:tnLst>
+  </p:timing>
 </p:sld>
 </file>
 
@@ -5021,6 +5042,13 @@
   <p:clrMapOvr>
     <a:masterClrMapping/>
   </p:clrMapOvr>
+  <p:timing>
+    <p:tnLst>
+      <p:par>
+        <p:cTn id="1" dur="indefinite" restart="never" nodeType="tmRoot"/>
+      </p:par>
+    </p:tnLst>
+  </p:timing>
 </p:sld>
 </file>
 
@@ -5227,11 +5255,19 @@
             </a:pPr>
             <a:r>
               <a:rPr lang="uk-UA" dirty="0"/>
-              <a:t>Діаграма діяльності</a:t>
+              <a:t>Діаграма </a:t>
+            </a:r>
+            <a:r>
+              <a:rPr lang="uk-UA" dirty="0" smtClean="0"/>
+              <a:t>класів</a:t>
+            </a:r>
+            <a:r>
+              <a:rPr lang="en-US" dirty="0" smtClean="0"/>
+              <a:t>(class </a:t>
             </a:r>
             <a:r>
               <a:rPr lang="en-US" dirty="0"/>
-              <a:t> (class diagram)</a:t>
+              <a:t>diagram)</a:t>
             </a:r>
             <a:endParaRPr lang="ru-RU" dirty="0"/>
           </a:p>
@@ -5326,6 +5362,13 @@
   <p:clrMapOvr>
     <a:masterClrMapping/>
   </p:clrMapOvr>
+  <p:timing>
+    <p:tnLst>
+      <p:par>
+        <p:cTn id="1" dur="indefinite" restart="never" nodeType="tmRoot"/>
+      </p:par>
+    </p:tnLst>
+  </p:timing>
 </p:sld>
 </file>
 
@@ -5432,6 +5475,13 @@
   <p:clrMapOvr>
     <a:masterClrMapping/>
   </p:clrMapOvr>
+  <p:timing>
+    <p:tnLst>
+      <p:par>
+        <p:cTn id="1" dur="indefinite" restart="never" nodeType="tmRoot"/>
+      </p:par>
+    </p:tnLst>
+  </p:timing>
 </p:sld>
 </file>
 
@@ -5582,7 +5632,15 @@
             </a:pPr>
             <a:r>
               <a:rPr lang="uk-UA" dirty="0" smtClean="0"/>
-              <a:t>Інтеграція с існуючою електронною кредитною системою </a:t>
+              <a:t>Інтеграція </a:t>
+            </a:r>
+            <a:r>
+              <a:rPr lang="uk-UA" dirty="0"/>
+              <a:t>з</a:t>
+            </a:r>
+            <a:r>
+              <a:rPr lang="uk-UA" dirty="0" smtClean="0"/>
+              <a:t> існуючою електронною кредитною системою </a:t>
             </a:r>
             <a:r>
               <a:rPr lang="en-US" dirty="0" err="1" smtClean="0"/>
@@ -5828,16 +5886,9 @@
             </a:r>
           </a:p>
           <a:p>
-            <a:pPr marL="90488" indent="274638">
-              <a:buFont typeface="Arial" panose="020B0604020202020204" pitchFamily="34" charset="0"/>
-              <a:buChar char="•"/>
+            <a:pPr marL="90488" indent="0">
+              <a:buNone/>
             </a:pPr>
-            <a:r>
-              <a:rPr lang="uk-UA" dirty="0" smtClean="0"/>
-              <a:t>Рахунки користувача можуть включати основні та додаткові поточні та ощадні рахунки, а також будь-яку кількість кредитних карток.</a:t>
-            </a:r>
-          </a:p>
-          <a:p>
             <a:endParaRPr lang="uk-UA" dirty="0" smtClean="0"/>
           </a:p>
           <a:p>
@@ -5991,7 +6042,7 @@
             </a:pPr>
             <a:r>
               <a:rPr lang="uk-UA" dirty="0" smtClean="0"/>
-              <a:t>Операції с цінними паперами</a:t>
+              <a:t>Операції з цінними паперами</a:t>
             </a:r>
           </a:p>
           <a:p>
@@ -6085,11 +6136,7 @@
           <a:p>
             <a:r>
               <a:rPr lang="uk-UA" dirty="0" smtClean="0"/>
-              <a:t>Дійові </a:t>
-            </a:r>
-            <a:r>
-              <a:rPr lang="uk-UA" dirty="0" smtClean="0"/>
-              <a:t>Особи</a:t>
+              <a:t>Дійові Особи</a:t>
             </a:r>
             <a:endParaRPr lang="ru-RU" dirty="0"/>
           </a:p>
